--- a/translations/he/beginner/MoveObject.pptx
+++ b/translations/he/beginner/MoveObject.pptx
@@ -224,7 +224,7 @@
           <a:p>
             <a:fld id="{E354B44E-40A3-0E46-B16A-9BF1250A248B}" type="datetimeFigureOut">
               <a:rPr lang="en-US" smtClean="0"/>
-              <a:t>7/14/2015</a:t>
+              <a:t>11/4/2015</a:t>
             </a:fld>
             <a:endParaRPr lang="en-US"/>
           </a:p>
@@ -390,7 +390,7 @@
           <a:p>
             <a:fld id="{C86AD16C-2DB4-6642-BAD4-9ED973A087A0}" type="datetimeFigureOut">
               <a:rPr lang="en-US" smtClean="0"/>
-              <a:t>7/14/2015</a:t>
+              <a:t>11/4/2015</a:t>
             </a:fld>
             <a:endParaRPr lang="en-US"/>
           </a:p>
@@ -861,7 +861,7 @@
           <a:p>
             <a:fld id="{649CE053-34C8-0F42-A2D4-D307AD98153C}" type="datetime1">
               <a:rPr lang="en-US" smtClean="0"/>
-              <a:t>7/14/2015</a:t>
+              <a:t>11/4/2015</a:t>
             </a:fld>
             <a:endParaRPr lang="en-US"/>
           </a:p>
@@ -1590,7 +1590,7 @@
           <a:p>
             <a:fld id="{808B9C0B-C514-FC4C-988E-1DEF50321238}" type="datetime1">
               <a:rPr lang="en-US" smtClean="0"/>
-              <a:t>7/14/2015</a:t>
+              <a:t>11/4/2015</a:t>
             </a:fld>
             <a:endParaRPr lang="en-US"/>
           </a:p>
@@ -2225,7 +2225,7 @@
           <a:p>
             <a:fld id="{5B5B38C9-2553-5B4A-83E7-2DC6296BDD83}" type="datetime1">
               <a:rPr lang="en-US" smtClean="0"/>
-              <a:t>7/14/2015</a:t>
+              <a:t>11/4/2015</a:t>
             </a:fld>
             <a:endParaRPr lang="en-US"/>
           </a:p>
@@ -2659,7 +2659,7 @@
           <a:p>
             <a:fld id="{C03610DD-ED5D-AB45-B424-E69D9566BE05}" type="datetime1">
               <a:rPr lang="en-US" smtClean="0"/>
-              <a:t>7/14/2015</a:t>
+              <a:t>11/4/2015</a:t>
             </a:fld>
             <a:endParaRPr lang="en-US" dirty="0"/>
           </a:p>
@@ -2847,7 +2847,7 @@
           <a:p>
             <a:fld id="{5D945957-99F1-784B-A97E-AF9A8CCFF742}" type="datetime1">
               <a:rPr lang="en-US" smtClean="0"/>
-              <a:t>7/14/2015</a:t>
+              <a:t>11/4/2015</a:t>
             </a:fld>
             <a:endParaRPr lang="en-US" dirty="0"/>
           </a:p>
@@ -3675,7 +3675,7 @@
           <a:p>
             <a:fld id="{A9849A6B-B270-704B-B37B-5B92A143FE0D}" type="datetime1">
               <a:rPr lang="en-US" smtClean="0"/>
-              <a:t>7/14/2015</a:t>
+              <a:t>11/4/2015</a:t>
             </a:fld>
             <a:endParaRPr lang="en-US" dirty="0"/>
           </a:p>
@@ -4199,7 +4199,7 @@
           <a:p>
             <a:fld id="{E1FBEA2E-0E4C-8A49-9E20-19AA506BA14B}" type="datetime1">
               <a:rPr lang="en-US" smtClean="0"/>
-              <a:t>7/14/2015</a:t>
+              <a:t>11/4/2015</a:t>
             </a:fld>
             <a:endParaRPr lang="en-US"/>
           </a:p>
@@ -4444,7 +4444,7 @@
           <a:p>
             <a:fld id="{244E44A6-5343-2644-B0F8-02E106FDBC9A}" type="datetime1">
               <a:rPr lang="en-US" smtClean="0"/>
-              <a:t>7/14/2015</a:t>
+              <a:t>11/4/2015</a:t>
             </a:fld>
             <a:endParaRPr lang="en-US"/>
           </a:p>
@@ -4987,7 +4987,7 @@
           <a:p>
             <a:fld id="{466C1D86-48FE-0746-A035-144633167862}" type="datetime1">
               <a:rPr lang="en-US" smtClean="0"/>
-              <a:t>7/14/2015</a:t>
+              <a:t>11/4/2015</a:t>
             </a:fld>
             <a:endParaRPr lang="en-US"/>
           </a:p>
@@ -5133,7 +5133,7 @@
           <a:p>
             <a:fld id="{2F2E54DE-D49D-1B4B-B6AB-51FC2F01A25B}" type="datetime1">
               <a:rPr lang="en-US" smtClean="0"/>
-              <a:t>7/14/2015</a:t>
+              <a:t>11/4/2015</a:t>
             </a:fld>
             <a:endParaRPr lang="en-US"/>
           </a:p>
@@ -6003,7 +6003,7 @@
           <a:p>
             <a:fld id="{26BCD4B2-2057-5741-9D04-302E23563DE8}" type="datetime1">
               <a:rPr lang="en-US" smtClean="0"/>
-              <a:t>7/14/2015</a:t>
+              <a:t>11/4/2015</a:t>
             </a:fld>
             <a:endParaRPr lang="en-US"/>
           </a:p>
@@ -6137,7 +6137,7 @@
           <a:p>
             <a:fld id="{2A265C7A-2434-7B44-8634-D7DEB66DA809}" type="datetime1">
               <a:rPr lang="en-US" smtClean="0"/>
-              <a:t>7/14/2015</a:t>
+              <a:t>11/4/2015</a:t>
             </a:fld>
             <a:endParaRPr lang="en-US" dirty="0"/>
           </a:p>
@@ -7011,7 +7011,7 @@
           <a:p>
             <a:fld id="{F28B6053-E31C-564C-89BD-D63EFF6ED3B9}" type="datetime1">
               <a:rPr lang="en-US" smtClean="0"/>
-              <a:t>7/14/2015</a:t>
+              <a:t>11/4/2015</a:t>
             </a:fld>
             <a:endParaRPr lang="en-US"/>
           </a:p>
@@ -7649,7 +7649,7 @@
           <a:p>
             <a:fld id="{B772C38F-60EB-7749-9A0E-524D07A8B66C}" type="datetime1">
               <a:rPr lang="en-US" smtClean="0"/>
-              <a:t>7/14/2015</a:t>
+              <a:t>11/4/2015</a:t>
             </a:fld>
             <a:endParaRPr lang="en-US"/>
           </a:p>
@@ -7978,7 +7978,7 @@
           <a:p>
             <a:fld id="{183429F4-009A-0D42-85EF-D4219A15C023}" type="datetime1">
               <a:rPr lang="en-US" smtClean="0"/>
-              <a:t>7/14/2015</a:t>
+              <a:t>11/4/2015</a:t>
             </a:fld>
             <a:endParaRPr lang="en-US"/>
           </a:p>
@@ -8079,7 +8079,7 @@
           <a:p>
             <a:fld id="{9AABC503-5921-8048-8F4F-2EFC51331576}" type="datetime1">
               <a:rPr lang="en-US" smtClean="0"/>
-              <a:t>7/14/2015</a:t>
+              <a:t>11/4/2015</a:t>
             </a:fld>
             <a:endParaRPr lang="en-US"/>
           </a:p>
@@ -8418,7 +8418,7 @@
           <a:p>
             <a:fld id="{858D82B4-586E-7246-865D-DA6FED6D583D}" type="datetime1">
               <a:rPr lang="en-US" smtClean="0"/>
-              <a:t>7/14/2015</a:t>
+              <a:t>11/4/2015</a:t>
             </a:fld>
             <a:endParaRPr lang="en-US" dirty="0"/>
           </a:p>
@@ -8932,169 +8932,6 @@
           <a:chExt cx="0" cy="0"/>
         </a:xfrm>
       </p:grpSpPr>
-      <p:pic>
-        <p:nvPicPr>
-          <p:cNvPr id="6" name="Picture Placeholder 5" descr="Droidslogo2.png"/>
-          <p:cNvPicPr>
-            <a:picLocks noGrp="1" noChangeAspect="1"/>
-          </p:cNvPicPr>
-          <p:nvPr>
-            <p:ph type="pic" sz="quarter" idx="13"/>
-          </p:nvPr>
-        </p:nvPicPr>
-        <p:blipFill>
-          <a:blip r:embed="rId3" cstate="email">
-            <a:extLst>
-              <a:ext uri="{28A0092B-C50C-407E-A947-70E740481C1C}">
-                <a14:useLocalDpi xmlns:a14="http://schemas.microsoft.com/office/drawing/2010/main" val="0"/>
-              </a:ext>
-            </a:extLst>
-          </a:blip>
-          <a:srcRect/>
-          <a:stretch>
-            <a:fillRect/>
-          </a:stretch>
-        </p:blipFill>
-        <p:spPr>
-          <a:xfrm>
-            <a:off x="247673" y="5252598"/>
-            <a:ext cx="1209338" cy="1145791"/>
-          </a:xfrm>
-        </p:spPr>
-      </p:pic>
-      <p:sp>
-        <p:nvSpPr>
-          <p:cNvPr id="4" name="Subtitle 3"/>
-          <p:cNvSpPr>
-            <a:spLocks noGrp="1"/>
-          </p:cNvSpPr>
-          <p:nvPr>
-            <p:ph type="subTitle" idx="1"/>
-          </p:nvPr>
-        </p:nvSpPr>
-        <p:spPr>
-          <a:xfrm>
-            <a:off x="1009935" y="3288773"/>
-            <a:ext cx="7754928" cy="1145791"/>
-          </a:xfrm>
-        </p:spPr>
-        <p:txBody>
-          <a:bodyPr>
-            <a:normAutofit/>
-          </a:bodyPr>
-          <a:lstStyle/>
-          <a:p>
-            <a:pPr algn="r" rtl="1"/>
-            <a:r>
-              <a:rPr lang="he-IL" dirty="0" smtClean="0">
-                <a:solidFill>
-                  <a:schemeClr val="tx1"/>
-                </a:solidFill>
-                <a:latin typeface="Gan CLM" panose="02000803000000000000" pitchFamily="2" charset="-79"/>
-                <a:cs typeface="Gan CLM" panose="02000803000000000000" pitchFamily="2" charset="-79"/>
-              </a:rPr>
-              <a:t>נכתב במקור ע"י קבוצת </a:t>
-            </a:r>
-            <a:r>
-              <a:rPr lang="en-US" b="1" dirty="0" smtClean="0">
-                <a:solidFill>
-                  <a:schemeClr val="tx1"/>
-                </a:solidFill>
-                <a:latin typeface="+mj-lt"/>
-                <a:cs typeface="Gan CLM" panose="02000803000000000000" pitchFamily="2" charset="-79"/>
-              </a:rPr>
-              <a:t>DROID ROBOTICS</a:t>
-            </a:r>
-            <a:r>
-              <a:rPr lang="he-IL" b="1" dirty="0" smtClean="0">
-                <a:solidFill>
-                  <a:schemeClr val="tx1"/>
-                </a:solidFill>
-                <a:latin typeface="+mj-lt"/>
-                <a:cs typeface="Gan CLM" panose="02000803000000000000" pitchFamily="2" charset="-79"/>
-              </a:rPr>
-              <a:t> </a:t>
-            </a:r>
-            <a:r>
-              <a:rPr lang="en-US" b="1" dirty="0">
-                <a:solidFill>
-                  <a:schemeClr val="tx1"/>
-                </a:solidFill>
-                <a:latin typeface="+mj-lt"/>
-                <a:cs typeface="Gan CLM" panose="02000803000000000000" pitchFamily="2" charset="-79"/>
-              </a:rPr>
-              <a:t> </a:t>
-            </a:r>
-            <a:r>
-              <a:rPr lang="he-IL" b="1" dirty="0">
-                <a:solidFill>
-                  <a:schemeClr val="tx1"/>
-                </a:solidFill>
-                <a:latin typeface="+mj-lt"/>
-                <a:cs typeface="Gan CLM" panose="02000803000000000000" pitchFamily="2" charset="-79"/>
-              </a:rPr>
-              <a:t> </a:t>
-            </a:r>
-            <a:r>
-              <a:rPr lang="he-IL" dirty="0" smtClean="0">
-                <a:solidFill>
-                  <a:schemeClr val="tx1"/>
-                </a:solidFill>
-                <a:latin typeface="Gan CLM" panose="02000803000000000000" pitchFamily="2" charset="-79"/>
-                <a:cs typeface="Gan CLM" panose="02000803000000000000" pitchFamily="2" charset="-79"/>
-              </a:rPr>
-              <a:t>תורגם לעברית ע"י קבוצה </a:t>
-            </a:r>
-            <a:r>
-              <a:rPr lang="en-US" b="1" dirty="0" smtClean="0">
-                <a:solidFill>
-                  <a:schemeClr val="tx1"/>
-                </a:solidFill>
-                <a:latin typeface="+mj-lt"/>
-                <a:cs typeface="Gan CLM" panose="02000803000000000000" pitchFamily="2" charset="-79"/>
-              </a:rPr>
-              <a:t>FLASH #</a:t>
-            </a:r>
-            <a:r>
-              <a:rPr lang="en-US" dirty="0" smtClean="0">
-                <a:solidFill>
-                  <a:schemeClr val="tx1"/>
-                </a:solidFill>
-                <a:latin typeface="Gan CLM" panose="02000803000000000000" pitchFamily="2" charset="-79"/>
-                <a:cs typeface="Gan CLM" panose="02000803000000000000" pitchFamily="2" charset="-79"/>
-              </a:rPr>
-              <a:t>74</a:t>
-            </a:r>
-            <a:r>
-              <a:rPr lang="he-IL" dirty="0" smtClean="0">
-                <a:solidFill>
-                  <a:schemeClr val="tx1"/>
-                </a:solidFill>
-                <a:latin typeface="Gan CLM" panose="02000803000000000000" pitchFamily="2" charset="-79"/>
-                <a:cs typeface="Gan CLM" panose="02000803000000000000" pitchFamily="2" charset="-79"/>
-              </a:rPr>
-              <a:t> בית ספר על שם יצחק </a:t>
-            </a:r>
-            <a:r>
-              <a:rPr lang="he-IL" dirty="0" err="1" smtClean="0">
-                <a:solidFill>
-                  <a:schemeClr val="tx1"/>
-                </a:solidFill>
-                <a:latin typeface="Gan CLM" panose="02000803000000000000" pitchFamily="2" charset="-79"/>
-                <a:cs typeface="Gan CLM" panose="02000803000000000000" pitchFamily="2" charset="-79"/>
-              </a:rPr>
-              <a:t>רבין,שוהם</a:t>
-            </a:r>
-            <a:endParaRPr lang="en-US" dirty="0">
-              <a:solidFill>
-                <a:schemeClr val="tx1"/>
-              </a:solidFill>
-              <a:latin typeface="Gan CLM" panose="02000803000000000000" pitchFamily="2" charset="-79"/>
-              <a:cs typeface="Gan CLM" panose="02000803000000000000" pitchFamily="2" charset="-79"/>
-            </a:endParaRPr>
-          </a:p>
-        </p:txBody>
-      </p:sp>
       <p:sp>
         <p:nvSpPr>
           <p:cNvPr id="2" name="Title 1"/>
@@ -9183,29 +9020,6 @@
       </p:sp>
       <p:sp>
         <p:nvSpPr>
-          <p:cNvPr id="10" name="Footer Placeholder 9"/>
-          <p:cNvSpPr>
-            <a:spLocks noGrp="1"/>
-          </p:cNvSpPr>
-          <p:nvPr>
-            <p:ph type="ftr" sz="quarter" idx="11"/>
-          </p:nvPr>
-        </p:nvSpPr>
-        <p:spPr/>
-        <p:txBody>
-          <a:bodyPr/>
-          <a:lstStyle/>
-          <a:p>
-            <a:r>
-              <a:rPr lang="fr-FR" smtClean="0"/>
-              <a:t>© 2015 EV3Lessons.com, Last Edit 5/30/2015</a:t>
-            </a:r>
-            <a:endParaRPr lang="en-US"/>
-          </a:p>
-        </p:txBody>
-      </p:sp>
-      <p:sp>
-        <p:nvSpPr>
           <p:cNvPr id="5" name="Slide Number Placeholder 4"/>
           <p:cNvSpPr>
             <a:spLocks noGrp="1"/>
@@ -9236,7 +9050,7 @@
           <p:nvPr/>
         </p:nvPicPr>
         <p:blipFill>
-          <a:blip r:embed="rId4" cstate="email">
+          <a:blip r:embed="rId3" cstate="email">
             <a:extLst>
               <a:ext uri="{28A0092B-C50C-407E-A947-70E740481C1C}">
                 <a14:useLocalDpi xmlns:a14="http://schemas.microsoft.com/office/drawing/2010/main" val="0"/>
@@ -9259,7 +9073,7 @@
           <a:noFill/>
           <a:extLst>
             <a:ext uri="{909E8E84-426E-40dd-AFC4-6F175D3DCCD1}">
-              <a14:hiddenFill xmlns="" xmlns:a14="http://schemas.microsoft.com/office/drawing/2010/main">
+              <a14:hiddenFill xmlns:a14="http://schemas.microsoft.com/office/drawing/2010/main" xmlns="">
                 <a:solidFill>
                   <a:srgbClr val="FFFFFF"/>
                 </a:solidFill>
@@ -9270,14 +9084,14 @@
       </p:pic>
       <p:pic>
         <p:nvPicPr>
-          <p:cNvPr id="7" name="תמונה 6"/>
+          <p:cNvPr id="11" name="Picture 10"/>
           <p:cNvPicPr>
             <a:picLocks noChangeAspect="1"/>
           </p:cNvPicPr>
           <p:nvPr/>
         </p:nvPicPr>
         <p:blipFill>
-          <a:blip r:embed="rId5" cstate="email">
+          <a:blip r:embed="rId4" cstate="email">
             <a:extLst>
               <a:ext uri="{28A0092B-C50C-407E-A947-70E740481C1C}">
                 <a14:useLocalDpi xmlns:a14="http://schemas.microsoft.com/office/drawing/2010/main" val="0"/>
@@ -9290,14 +9104,157 @@
         </p:blipFill>
         <p:spPr>
           <a:xfrm>
-            <a:off x="2823005" y="5071677"/>
-            <a:ext cx="1984430" cy="1547917"/>
+            <a:off x="233469" y="5323144"/>
+            <a:ext cx="1320857" cy="1263619"/>
           </a:xfrm>
           <a:prstGeom prst="rect">
             <a:avLst/>
           </a:prstGeom>
         </p:spPr>
       </p:pic>
+      <p:sp>
+        <p:nvSpPr>
+          <p:cNvPr id="12" name="TextBox 12"/>
+          <p:cNvSpPr txBox="1"/>
+          <p:nvPr/>
+        </p:nvSpPr>
+        <p:spPr>
+          <a:xfrm>
+            <a:off x="1588097" y="6217431"/>
+            <a:ext cx="2248525" cy="369332"/>
+          </a:xfrm>
+          <a:prstGeom prst="rect">
+            <a:avLst/>
+          </a:prstGeom>
+          <a:noFill/>
+        </p:spPr>
+        <p:txBody>
+          <a:bodyPr wrap="square" rtlCol="0">
+            <a:spAutoFit/>
+          </a:bodyPr>
+          <a:lstStyle>
+            <a:defPPr>
+              <a:defRPr lang="en-US"/>
+            </a:defPPr>
+            <a:lvl1pPr marL="0" algn="l" defTabSz="457200" rtl="0" eaLnBrk="1" latinLnBrk="0" hangingPunct="1">
+              <a:defRPr sz="1800" kern="1200">
+                <a:solidFill>
+                  <a:schemeClr val="tx1"/>
+                </a:solidFill>
+                <a:latin typeface="+mn-lt"/>
+                <a:ea typeface="+mn-ea"/>
+                <a:cs typeface="+mn-cs"/>
+              </a:defRPr>
+            </a:lvl1pPr>
+            <a:lvl2pPr marL="457200" algn="l" defTabSz="457200" rtl="0" eaLnBrk="1" latinLnBrk="0" hangingPunct="1">
+              <a:defRPr sz="1800" kern="1200">
+                <a:solidFill>
+                  <a:schemeClr val="tx1"/>
+                </a:solidFill>
+                <a:latin typeface="+mn-lt"/>
+                <a:ea typeface="+mn-ea"/>
+                <a:cs typeface="+mn-cs"/>
+              </a:defRPr>
+            </a:lvl2pPr>
+            <a:lvl3pPr marL="914400" algn="l" defTabSz="457200" rtl="0" eaLnBrk="1" latinLnBrk="0" hangingPunct="1">
+              <a:defRPr sz="1800" kern="1200">
+                <a:solidFill>
+                  <a:schemeClr val="tx1"/>
+                </a:solidFill>
+                <a:latin typeface="+mn-lt"/>
+                <a:ea typeface="+mn-ea"/>
+                <a:cs typeface="+mn-cs"/>
+              </a:defRPr>
+            </a:lvl3pPr>
+            <a:lvl4pPr marL="1371600" algn="l" defTabSz="457200" rtl="0" eaLnBrk="1" latinLnBrk="0" hangingPunct="1">
+              <a:defRPr sz="1800" kern="1200">
+                <a:solidFill>
+                  <a:schemeClr val="tx1"/>
+                </a:solidFill>
+                <a:latin typeface="+mn-lt"/>
+                <a:ea typeface="+mn-ea"/>
+                <a:cs typeface="+mn-cs"/>
+              </a:defRPr>
+            </a:lvl4pPr>
+            <a:lvl5pPr marL="1828800" algn="l" defTabSz="457200" rtl="0" eaLnBrk="1" latinLnBrk="0" hangingPunct="1">
+              <a:defRPr sz="1800" kern="1200">
+                <a:solidFill>
+                  <a:schemeClr val="tx1"/>
+                </a:solidFill>
+                <a:latin typeface="+mn-lt"/>
+                <a:ea typeface="+mn-ea"/>
+                <a:cs typeface="+mn-cs"/>
+              </a:defRPr>
+            </a:lvl5pPr>
+            <a:lvl6pPr marL="2286000" algn="l" defTabSz="457200" rtl="0" eaLnBrk="1" latinLnBrk="0" hangingPunct="1">
+              <a:defRPr sz="1800" kern="1200">
+                <a:solidFill>
+                  <a:schemeClr val="tx1"/>
+                </a:solidFill>
+                <a:latin typeface="+mn-lt"/>
+                <a:ea typeface="+mn-ea"/>
+                <a:cs typeface="+mn-cs"/>
+              </a:defRPr>
+            </a:lvl6pPr>
+            <a:lvl7pPr marL="2743200" algn="l" defTabSz="457200" rtl="0" eaLnBrk="1" latinLnBrk="0" hangingPunct="1">
+              <a:defRPr sz="1800" kern="1200">
+                <a:solidFill>
+                  <a:schemeClr val="tx1"/>
+                </a:solidFill>
+                <a:latin typeface="+mn-lt"/>
+                <a:ea typeface="+mn-ea"/>
+                <a:cs typeface="+mn-cs"/>
+              </a:defRPr>
+            </a:lvl7pPr>
+            <a:lvl8pPr marL="3200400" algn="l" defTabSz="457200" rtl="0" eaLnBrk="1" latinLnBrk="0" hangingPunct="1">
+              <a:defRPr sz="1800" kern="1200">
+                <a:solidFill>
+                  <a:schemeClr val="tx1"/>
+                </a:solidFill>
+                <a:latin typeface="+mn-lt"/>
+                <a:ea typeface="+mn-ea"/>
+                <a:cs typeface="+mn-cs"/>
+              </a:defRPr>
+            </a:lvl8pPr>
+            <a:lvl9pPr marL="3657600" algn="l" defTabSz="457200" rtl="0" eaLnBrk="1" latinLnBrk="0" hangingPunct="1">
+              <a:defRPr sz="1800" kern="1200">
+                <a:solidFill>
+                  <a:schemeClr val="tx1"/>
+                </a:solidFill>
+                <a:latin typeface="+mn-lt"/>
+                <a:ea typeface="+mn-ea"/>
+                <a:cs typeface="+mn-cs"/>
+              </a:defRPr>
+            </a:lvl9pPr>
+          </a:lstStyle>
+          <a:p>
+            <a:r>
+              <a:rPr lang="en-US" dirty="0" smtClean="0"/>
+              <a:t>By Droids Robotics</a:t>
+            </a:r>
+            <a:endParaRPr lang="en-US" dirty="0"/>
+          </a:p>
+        </p:txBody>
+      </p:sp>
+      <p:sp>
+        <p:nvSpPr>
+          <p:cNvPr id="13" name="Subtitle 12"/>
+          <p:cNvSpPr>
+            <a:spLocks noGrp="1"/>
+          </p:cNvSpPr>
+          <p:nvPr>
+            <p:ph type="subTitle" idx="1"/>
+          </p:nvPr>
+        </p:nvSpPr>
+        <p:spPr/>
+        <p:txBody>
+          <a:bodyPr/>
+          <a:lstStyle/>
+          <a:p>
+            <a:endParaRPr lang="en-US"/>
+          </a:p>
+        </p:txBody>
+      </p:sp>
     </p:spTree>
     <p:extLst>
       <p:ext uri="{BB962C8B-B14F-4D97-AF65-F5344CB8AC3E}">
@@ -10853,7 +10810,7 @@
               <a:buNone/>
             </a:pPr>
             <a:r>
-              <a:rPr lang="en-US" sz="3800" b="1" dirty="0" smtClean="0">
+              <a:rPr lang="en-US" sz="3800" b="1" smtClean="0">
                 <a:solidFill>
                   <a:schemeClr val="tx1"/>
                 </a:solidFill>
@@ -10861,10 +10818,10 @@
                 <a:ea typeface="+mj-ea"/>
                 <a:cs typeface="Gan CLM" panose="02000803000000000000" pitchFamily="2" charset="-79"/>
               </a:rPr>
-              <a:t>Droid</a:t>
-            </a:r>
-            <a:r>
-              <a:rPr lang="en-US" sz="3800" b="1" dirty="0" smtClean="0">
+              <a:t>Droids</a:t>
+            </a:r>
+            <a:r>
+              <a:rPr lang="en-US" sz="3800" b="1" smtClean="0">
                 <a:solidFill>
                   <a:schemeClr val="tx1"/>
                 </a:solidFill>
@@ -10966,7 +10923,7 @@
           <a:effectLst/>
           <a:extLst>
             <a:ext uri="{91240B29-F687-4f45-9708-019B960494DF}">
-              <a14:hiddenLine xmlns="" xmlns:a14="http://schemas.microsoft.com/office/drawing/2010/main" w="9525">
+              <a14:hiddenLine xmlns:a14="http://schemas.microsoft.com/office/drawing/2010/main" xmlns="" w="9525">
                 <a:solidFill>
                   <a:schemeClr val="tx1"/>
                 </a:solidFill>
@@ -10976,7 +10933,7 @@
               </a14:hiddenLine>
             </a:ext>
             <a:ext uri="{AF507438-7753-43e0-B8FC-AC1667EBCBE1}">
-              <a14:hiddenEffects xmlns="" xmlns:a14="http://schemas.microsoft.com/office/drawing/2010/main">
+              <a14:hiddenEffects xmlns:a14="http://schemas.microsoft.com/office/drawing/2010/main" xmlns="">
                 <a:effectLst>
                   <a:outerShdw dist="35921" dir="2700000" algn="ctr" rotWithShape="0">
                     <a:schemeClr val="bg2"/>
